--- a/veranos/tarea4/tarea4.pptx
+++ b/veranos/tarea4/tarea4.pptx
@@ -343,7 +343,7 @@
           <a:p>
             <a:fld id="{1778F24D-EB19-4AE0-B015-2BEA6D5224F2}" type="datetimeFigureOut">
               <a:rPr lang="en-US" smtClean="0"/>
-              <a:t>04/07/13</a:t>
+              <a:t>05/07/13</a:t>
             </a:fld>
             <a:endParaRPr lang="en-US"/>
           </a:p>
@@ -656,7 +656,7 @@
           <a:p>
             <a:fld id="{1778F24D-EB19-4AE0-B015-2BEA6D5224F2}" type="datetimeFigureOut">
               <a:rPr lang="en-US" smtClean="0"/>
-              <a:t>04/07/13</a:t>
+              <a:t>05/07/13</a:t>
             </a:fld>
             <a:endParaRPr lang="en-US"/>
           </a:p>
@@ -863,7 +863,7 @@
           <a:p>
             <a:fld id="{1778F24D-EB19-4AE0-B015-2BEA6D5224F2}" type="datetimeFigureOut">
               <a:rPr lang="en-US" smtClean="0"/>
-              <a:t>04/07/13</a:t>
+              <a:t>05/07/13</a:t>
             </a:fld>
             <a:endParaRPr lang="en-US"/>
           </a:p>
@@ -1068,7 +1068,7 @@
           <a:p>
             <a:fld id="{1778F24D-EB19-4AE0-B015-2BEA6D5224F2}" type="datetimeFigureOut">
               <a:rPr lang="en-US" smtClean="0"/>
-              <a:t>04/07/13</a:t>
+              <a:t>05/07/13</a:t>
             </a:fld>
             <a:endParaRPr lang="en-US"/>
           </a:p>
@@ -1263,7 +1263,7 @@
           <a:p>
             <a:fld id="{1778F24D-EB19-4AE0-B015-2BEA6D5224F2}" type="datetimeFigureOut">
               <a:rPr lang="en-US" smtClean="0"/>
-              <a:t>04/07/13</a:t>
+              <a:t>05/07/13</a:t>
             </a:fld>
             <a:endParaRPr lang="en-US"/>
           </a:p>
@@ -1533,7 +1533,7 @@
           <a:p>
             <a:fld id="{1778F24D-EB19-4AE0-B015-2BEA6D5224F2}" type="datetimeFigureOut">
               <a:rPr lang="en-US" smtClean="0"/>
-              <a:t>04/07/13</a:t>
+              <a:t>05/07/13</a:t>
             </a:fld>
             <a:endParaRPr lang="en-US"/>
           </a:p>
@@ -1844,7 +1844,7 @@
           <a:p>
             <a:fld id="{1778F24D-EB19-4AE0-B015-2BEA6D5224F2}" type="datetimeFigureOut">
               <a:rPr lang="en-US" smtClean="0"/>
-              <a:t>04/07/13</a:t>
+              <a:t>05/07/13</a:t>
             </a:fld>
             <a:endParaRPr lang="en-US"/>
           </a:p>
@@ -2305,7 +2305,7 @@
           <a:p>
             <a:fld id="{1778F24D-EB19-4AE0-B015-2BEA6D5224F2}" type="datetimeFigureOut">
               <a:rPr lang="en-US" smtClean="0"/>
-              <a:t>04/07/13</a:t>
+              <a:t>05/07/13</a:t>
             </a:fld>
             <a:endParaRPr lang="en-US"/>
           </a:p>
@@ -2444,7 +2444,7 @@
           <a:p>
             <a:fld id="{1778F24D-EB19-4AE0-B015-2BEA6D5224F2}" type="datetimeFigureOut">
               <a:rPr lang="en-US" smtClean="0"/>
-              <a:t>04/07/13</a:t>
+              <a:t>05/07/13</a:t>
             </a:fld>
             <a:endParaRPr lang="en-US"/>
           </a:p>
@@ -2560,7 +2560,7 @@
           <a:p>
             <a:fld id="{1778F24D-EB19-4AE0-B015-2BEA6D5224F2}" type="datetimeFigureOut">
               <a:rPr lang="en-US" smtClean="0"/>
-              <a:t>04/07/13</a:t>
+              <a:t>05/07/13</a:t>
             </a:fld>
             <a:endParaRPr lang="en-US"/>
           </a:p>
@@ -2846,7 +2846,7 @@
           <a:p>
             <a:fld id="{1778F24D-EB19-4AE0-B015-2BEA6D5224F2}" type="datetimeFigureOut">
               <a:rPr lang="en-US" smtClean="0"/>
-              <a:t>04/07/13</a:t>
+              <a:t>05/07/13</a:t>
             </a:fld>
             <a:endParaRPr lang="en-US"/>
           </a:p>
@@ -3184,7 +3184,7 @@
           <a:p>
             <a:fld id="{1778F24D-EB19-4AE0-B015-2BEA6D5224F2}" type="datetimeFigureOut">
               <a:rPr lang="en-US" smtClean="0"/>
-              <a:t>04/07/13</a:t>
+              <a:t>05/07/13</a:t>
             </a:fld>
             <a:endParaRPr lang="en-US"/>
           </a:p>
@@ -3460,7 +3460,7 @@
           <a:p>
             <a:fld id="{1778F24D-EB19-4AE0-B015-2BEA6D5224F2}" type="datetimeFigureOut">
               <a:rPr lang="en-US" smtClean="0"/>
-              <a:t>04/07/13</a:t>
+              <a:t>05/07/13</a:t>
             </a:fld>
             <a:endParaRPr lang="en-US"/>
           </a:p>
@@ -3962,6 +3962,9 @@
               <a:rPr lang="es-ES" dirty="0" smtClean="0"/>
               <a:t>El objetivo será hacer preguntas y base al movimiento de la pupila decidir si esta mintiendo o no. </a:t>
             </a:r>
+            <a:endParaRPr lang="es-ES" dirty="0" smtClean="0"/>
+          </a:p>
+          <a:p>
             <a:endParaRPr lang="es-ES" dirty="0"/>
           </a:p>
         </p:txBody>
@@ -4042,11 +4045,7 @@
           <a:p>
             <a:r>
               <a:rPr lang="es-ES" dirty="0" smtClean="0"/>
-              <a:t>También, para tener una opini</a:t>
-            </a:r>
-            <a:r>
-              <a:rPr lang="es-ES" dirty="0" smtClean="0"/>
-              <a:t>ón mas critica sobre una respuesta cuando no se cuenta con un “entrenamiento” sobre lenguaje corporal. </a:t>
+              <a:t>También, para tener una opinión mas critica sobre una respuesta cuando no se cuenta con un “entrenamiento” sobre lenguaje corporal. </a:t>
             </a:r>
             <a:endParaRPr lang="es-ES" dirty="0"/>
           </a:p>
@@ -4131,9 +4130,19 @@
             </a:pPr>
             <a:r>
               <a:rPr lang="es-ES" dirty="0" smtClean="0"/>
-              <a:t>     Una vez teniendo el punto medio, cualquier 	movimiento que este fuera un rango partiendo del 	punto medio se etiqueta como “ruido” y entra a la 	posibilidad de estar mintiendo.</a:t>
+              <a:t>     Una vez teniendo el punto medio, cualquier 	movimiento que este fuera un rango partiendo del 	punto medio se etiqueta como “ruido” y entra a la 	posibilidad de estar mintiendo</a:t>
+            </a:r>
+            <a:r>
+              <a:rPr lang="es-ES" dirty="0" smtClean="0"/>
+              <a:t>.</a:t>
             </a:r>
             <a:endParaRPr lang="es-ES" dirty="0"/>
+          </a:p>
+          <a:p>
+            <a:pPr marL="0" indent="0">
+              <a:buNone/>
+            </a:pPr>
+            <a:endParaRPr lang="es-ES" dirty="0" smtClean="0"/>
           </a:p>
         </p:txBody>
       </p:sp>
@@ -4229,11 +4238,7 @@
             <a:pPr lvl="1"/>
             <a:r>
               <a:rPr lang="es-ES" dirty="0" smtClean="0"/>
-              <a:t>Y</a:t>
-            </a:r>
-            <a:r>
-              <a:rPr lang="es-ES" dirty="0" smtClean="0"/>
-              <a:t> una PC con web </a:t>
+              <a:t>Y una PC con web </a:t>
             </a:r>
             <a:r>
               <a:rPr lang="es-ES" dirty="0" err="1" smtClean="0"/>
@@ -4317,15 +4322,7 @@
           <a:p>
             <a:r>
               <a:rPr lang="es-ES" dirty="0" smtClean="0"/>
-              <a:t>Iluminaci</a:t>
-            </a:r>
-            <a:r>
-              <a:rPr lang="es-ES" dirty="0" smtClean="0"/>
-              <a:t>ó</a:t>
-            </a:r>
-            <a:r>
-              <a:rPr lang="es-ES" dirty="0" smtClean="0"/>
-              <a:t>n: Para que funcione satisfactoriamente el programa, la iluminación tendrá que estar controlada en todo momento.</a:t>
+              <a:t>Iluminación: Para que funcione satisfactoriamente el programa, la iluminación tendrá que estar controlada en todo momento.</a:t>
             </a:r>
           </a:p>
           <a:p>
